--- a/STAT585X.pptx
+++ b/STAT585X.pptx
@@ -205,7 +205,7 @@
           <a:p>
             <a:fld id="{172A8A89-152E-4354-934A-BE60CBC2BF95}" type="datetimeFigureOut">
               <a:rPr lang="en-US" smtClean="0"/>
-              <a:t>5/1/2014</a:t>
+              <a:t>5/2/2014</a:t>
             </a:fld>
             <a:endParaRPr lang="en-US"/>
           </a:p>
@@ -752,7 +752,7 @@
             <a:fld id="{1D8BD707-D9CF-40AE-B4C6-C98DA3205C09}" type="datetimeFigureOut">
               <a:rPr lang="en-US" smtClean="0"/>
               <a:pPr/>
-              <a:t>5/1/2014</a:t>
+              <a:t>5/2/2014</a:t>
             </a:fld>
             <a:endParaRPr lang="en-US"/>
           </a:p>
@@ -1107,7 +1107,7 @@
             <a:fld id="{1D8BD707-D9CF-40AE-B4C6-C98DA3205C09}" type="datetimeFigureOut">
               <a:rPr lang="en-US" smtClean="0"/>
               <a:pPr/>
-              <a:t>5/1/2014</a:t>
+              <a:t>5/2/2014</a:t>
             </a:fld>
             <a:endParaRPr lang="en-US"/>
           </a:p>
@@ -1284,7 +1284,7 @@
             <a:fld id="{1D8BD707-D9CF-40AE-B4C6-C98DA3205C09}" type="datetimeFigureOut">
               <a:rPr lang="en-US" smtClean="0"/>
               <a:pPr/>
-              <a:t>5/1/2014</a:t>
+              <a:t>5/2/2014</a:t>
             </a:fld>
             <a:endParaRPr lang="en-US"/>
           </a:p>
@@ -1399,7 +1399,7 @@
             <a:fld id="{1D8BD707-D9CF-40AE-B4C6-C98DA3205C09}" type="datetimeFigureOut">
               <a:rPr lang="en-US" smtClean="0"/>
               <a:pPr/>
-              <a:t>5/1/2014</a:t>
+              <a:t>5/2/2014</a:t>
             </a:fld>
             <a:endParaRPr lang="en-US"/>
           </a:p>
@@ -1759,7 +1759,7 @@
             <a:fld id="{1D8BD707-D9CF-40AE-B4C6-C98DA3205C09}" type="datetimeFigureOut">
               <a:rPr lang="en-US" smtClean="0"/>
               <a:pPr/>
-              <a:t>5/1/2014</a:t>
+              <a:t>5/2/2014</a:t>
             </a:fld>
             <a:endParaRPr lang="en-US"/>
           </a:p>
@@ -2026,7 +2026,7 @@
             <a:fld id="{1D8BD707-D9CF-40AE-B4C6-C98DA3205C09}" type="datetimeFigureOut">
               <a:rPr lang="en-US" smtClean="0"/>
               <a:pPr/>
-              <a:t>5/1/2014</a:t>
+              <a:t>5/2/2014</a:t>
             </a:fld>
             <a:endParaRPr lang="en-US"/>
           </a:p>
@@ -2390,7 +2390,7 @@
             <a:fld id="{1D8BD707-D9CF-40AE-B4C6-C98DA3205C09}" type="datetimeFigureOut">
               <a:rPr lang="en-US" smtClean="0"/>
               <a:pPr/>
-              <a:t>5/1/2014</a:t>
+              <a:t>5/2/2014</a:t>
             </a:fld>
             <a:endParaRPr lang="en-US"/>
           </a:p>
@@ -2619,7 +2619,7 @@
             <a:fld id="{1D8BD707-D9CF-40AE-B4C6-C98DA3205C09}" type="datetimeFigureOut">
               <a:rPr lang="en-US" smtClean="0"/>
               <a:pPr/>
-              <a:t>5/1/2014</a:t>
+              <a:t>5/2/2014</a:t>
             </a:fld>
             <a:endParaRPr lang="en-US"/>
           </a:p>
@@ -2711,7 +2711,7 @@
             <a:fld id="{1D8BD707-D9CF-40AE-B4C6-C98DA3205C09}" type="datetimeFigureOut">
               <a:rPr lang="en-US" smtClean="0"/>
               <a:pPr/>
-              <a:t>5/1/2014</a:t>
+              <a:t>5/2/2014</a:t>
             </a:fld>
             <a:endParaRPr lang="en-US"/>
           </a:p>
@@ -2980,7 +2980,7 @@
             <a:fld id="{1D8BD707-D9CF-40AE-B4C6-C98DA3205C09}" type="datetimeFigureOut">
               <a:rPr lang="en-US" smtClean="0"/>
               <a:pPr/>
-              <a:t>5/1/2014</a:t>
+              <a:t>5/2/2014</a:t>
             </a:fld>
             <a:endParaRPr lang="en-US"/>
           </a:p>
@@ -3210,7 +3210,7 @@
             <a:fld id="{1D8BD707-D9CF-40AE-B4C6-C98DA3205C09}" type="datetimeFigureOut">
               <a:rPr lang="en-US" smtClean="0"/>
               <a:pPr/>
-              <a:t>5/1/2014</a:t>
+              <a:t>5/2/2014</a:t>
             </a:fld>
             <a:endParaRPr lang="en-US"/>
           </a:p>
@@ -3711,7 +3711,7 @@
             <a:fld id="{1D8BD707-D9CF-40AE-B4C6-C98DA3205C09}" type="datetimeFigureOut">
               <a:rPr lang="en-US" smtClean="0"/>
               <a:pPr/>
-              <a:t>5/1/2014</a:t>
+              <a:t>5/2/2014</a:t>
             </a:fld>
             <a:endParaRPr lang="en-US"/>
           </a:p>
@@ -4175,7 +4175,12 @@
             <p:ph type="ctrTitle"/>
           </p:nvPr>
         </p:nvSpPr>
-        <p:spPr/>
+        <p:spPr>
+          <a:xfrm>
+            <a:off x="457200" y="1752600"/>
+            <a:ext cx="8229600" cy="1470025"/>
+          </a:xfrm>
+        </p:spPr>
         <p:txBody>
           <a:bodyPr>
             <a:normAutofit fontScale="90000"/>
@@ -4364,7 +4369,6 @@
               <a:rPr lang="en-US" dirty="0"/>
               <a:t> </a:t>
             </a:r>
-            <a:endParaRPr lang="en-US" dirty="0"/>
           </a:p>
         </p:txBody>
       </p:sp>
@@ -4649,7 +4653,6 @@
               <a:rPr lang="en-US" dirty="0"/>
               <a:t> </a:t>
             </a:r>
-            <a:endParaRPr lang="en-US" dirty="0"/>
           </a:p>
         </p:txBody>
       </p:sp>
@@ -4761,7 +4764,15 @@
           <a:p>
             <a:r>
               <a:rPr lang="en-US" dirty="0"/>
-              <a:t>Even though BSE is no longer active in the UK, there are still cases appeared in recent years. Since prion disease is hard to </a:t>
+              <a:t>Even though BSE is no longer active in the UK, there are still </a:t>
+            </a:r>
+            <a:r>
+              <a:rPr lang="en-US" dirty="0" smtClean="0"/>
+              <a:t>cases that have </a:t>
+            </a:r>
+            <a:r>
+              <a:rPr lang="en-US" dirty="0"/>
+              <a:t>appeared in recent years. Since prion disease is hard to </a:t>
             </a:r>
             <a:r>
               <a:rPr lang="en-US" dirty="0" smtClean="0"/>
@@ -4773,11 +4784,11 @@
             </a:r>
             <a:r>
               <a:rPr lang="en-US" dirty="0" smtClean="0"/>
-              <a:t>spreads </a:t>
+              <a:t>easily spreads through </a:t>
             </a:r>
             <a:r>
               <a:rPr lang="en-US" dirty="0"/>
-              <a:t>easily through food contamination, attention is still required to monitor the development of BSE</a:t>
+              <a:t>food contamination, attention is still required to monitor the development of BSE</a:t>
             </a:r>
             <a:r>
               <a:rPr lang="en-US" dirty="0" smtClean="0"/>
@@ -4968,7 +4979,7 @@
           <a:p>
             <a:r>
               <a:rPr lang="en-US" dirty="0" smtClean="0"/>
-              <a:t>Outline</a:t>
+              <a:t>Overview</a:t>
             </a:r>
             <a:endParaRPr lang="en-US" dirty="0"/>
           </a:p>
@@ -5006,11 +5017,11 @@
             </a:pPr>
             <a:r>
               <a:rPr lang="en-US" dirty="0"/>
-              <a:t> 	</a:t>
+              <a:t>  </a:t>
             </a:r>
             <a:r>
               <a:rPr lang="en-US" dirty="0" smtClean="0"/>
-              <a:t>History</a:t>
+              <a:t> - History</a:t>
             </a:r>
           </a:p>
           <a:p>
@@ -5019,11 +5030,11 @@
             </a:pPr>
             <a:r>
               <a:rPr lang="en-US" dirty="0"/>
-              <a:t>	</a:t>
+              <a:t> </a:t>
             </a:r>
             <a:r>
               <a:rPr lang="en-US" dirty="0" smtClean="0"/>
-              <a:t>Current Condition</a:t>
+              <a:t>  - Current Condition</a:t>
             </a:r>
           </a:p>
           <a:p>
@@ -5134,19 +5145,7 @@
             </a:r>
             <a:r>
               <a:rPr lang="en-US" dirty="0" smtClean="0"/>
-              <a:t>Encephalopathy(BSE):the </a:t>
-            </a:r>
-            <a:r>
-              <a:rPr lang="en-US" dirty="0"/>
-              <a:t>so called "</a:t>
-            </a:r>
-            <a:r>
-              <a:rPr lang="en-US" dirty="0">
-                <a:solidFill>
-                  <a:srgbClr val="FF0000"/>
-                </a:solidFill>
-              </a:rPr>
-              <a:t>Mad </a:t>
+              <a:t>Encephalopathy(BSE): also known as "</a:t>
             </a:r>
             <a:r>
               <a:rPr lang="en-US" dirty="0" smtClean="0">
@@ -5154,7 +5153,7 @@
                   <a:srgbClr val="FF0000"/>
                 </a:solidFill>
               </a:rPr>
-              <a:t>Cow</a:t>
+              <a:t>Mad Cow</a:t>
             </a:r>
             <a:r>
               <a:rPr lang="en-US" dirty="0" smtClean="0"/>
